--- a/Documentatie/OTL-Architectuur.pptx
+++ b/Documentatie/OTL-Architectuur.pptx
@@ -110,6 +110,22 @@
       </a:defRPr>
     </a:lvl9pPr>
   </p:defaultTextStyle>
+  <p:extLst>
+    <p:ext uri="{EFAFB233-063F-42B5-8137-9DF3F51BA10A}">
+      <p15:sldGuideLst xmlns:p15="http://schemas.microsoft.com/office/powerpoint/2012/main">
+        <p15:guide id="1" orient="horz" pos="2160">
+          <p15:clr>
+            <a:srgbClr val="A4A3A4"/>
+          </p15:clr>
+        </p15:guide>
+        <p15:guide id="2" pos="2880">
+          <p15:clr>
+            <a:srgbClr val="A4A3A4"/>
+          </p15:clr>
+        </p15:guide>
+      </p15:sldGuideLst>
+    </p:ext>
+  </p:extLst>
 </p:presentation>
 </file>
 
@@ -195,7 +211,7 @@
           <a:p>
             <a:fld id="{227F1936-6302-42EA-8E62-0556F4E01474}" type="datetimeFigureOut">
               <a:rPr lang="nl-NL" smtClean="0"/>
-              <a:t>27-11-2017</a:t>
+              <a:t>12-10-2018</a:t>
             </a:fld>
             <a:endParaRPr lang="nl-NL"/>
           </a:p>
@@ -732,7 +748,7 @@
           <a:p>
             <a:fld id="{6D29FCE8-8197-44E4-9F05-1CD450D36209}" type="datetimeFigureOut">
               <a:rPr lang="nl-NL" smtClean="0"/>
-              <a:t>27-11-2017</a:t>
+              <a:t>12-10-2018</a:t>
             </a:fld>
             <a:endParaRPr lang="nl-NL"/>
           </a:p>
@@ -902,7 +918,7 @@
           <a:p>
             <a:fld id="{6D29FCE8-8197-44E4-9F05-1CD450D36209}" type="datetimeFigureOut">
               <a:rPr lang="nl-NL" smtClean="0"/>
-              <a:t>27-11-2017</a:t>
+              <a:t>12-10-2018</a:t>
             </a:fld>
             <a:endParaRPr lang="nl-NL"/>
           </a:p>
@@ -1082,7 +1098,7 @@
           <a:p>
             <a:fld id="{6D29FCE8-8197-44E4-9F05-1CD450D36209}" type="datetimeFigureOut">
               <a:rPr lang="nl-NL" smtClean="0"/>
-              <a:t>27-11-2017</a:t>
+              <a:t>12-10-2018</a:t>
             </a:fld>
             <a:endParaRPr lang="nl-NL"/>
           </a:p>
@@ -1252,7 +1268,7 @@
           <a:p>
             <a:fld id="{6D29FCE8-8197-44E4-9F05-1CD450D36209}" type="datetimeFigureOut">
               <a:rPr lang="nl-NL" smtClean="0"/>
-              <a:t>27-11-2017</a:t>
+              <a:t>12-10-2018</a:t>
             </a:fld>
             <a:endParaRPr lang="nl-NL"/>
           </a:p>
@@ -1498,7 +1514,7 @@
           <a:p>
             <a:fld id="{6D29FCE8-8197-44E4-9F05-1CD450D36209}" type="datetimeFigureOut">
               <a:rPr lang="nl-NL" smtClean="0"/>
-              <a:t>27-11-2017</a:t>
+              <a:t>12-10-2018</a:t>
             </a:fld>
             <a:endParaRPr lang="nl-NL"/>
           </a:p>
@@ -1786,7 +1802,7 @@
           <a:p>
             <a:fld id="{6D29FCE8-8197-44E4-9F05-1CD450D36209}" type="datetimeFigureOut">
               <a:rPr lang="nl-NL" smtClean="0"/>
-              <a:t>27-11-2017</a:t>
+              <a:t>12-10-2018</a:t>
             </a:fld>
             <a:endParaRPr lang="nl-NL"/>
           </a:p>
@@ -2208,7 +2224,7 @@
           <a:p>
             <a:fld id="{6D29FCE8-8197-44E4-9F05-1CD450D36209}" type="datetimeFigureOut">
               <a:rPr lang="nl-NL" smtClean="0"/>
-              <a:t>27-11-2017</a:t>
+              <a:t>12-10-2018</a:t>
             </a:fld>
             <a:endParaRPr lang="nl-NL"/>
           </a:p>
@@ -2326,7 +2342,7 @@
           <a:p>
             <a:fld id="{6D29FCE8-8197-44E4-9F05-1CD450D36209}" type="datetimeFigureOut">
               <a:rPr lang="nl-NL" smtClean="0"/>
-              <a:t>27-11-2017</a:t>
+              <a:t>12-10-2018</a:t>
             </a:fld>
             <a:endParaRPr lang="nl-NL"/>
           </a:p>
@@ -2421,7 +2437,7 @@
           <a:p>
             <a:fld id="{6D29FCE8-8197-44E4-9F05-1CD450D36209}" type="datetimeFigureOut">
               <a:rPr lang="nl-NL" smtClean="0"/>
-              <a:t>27-11-2017</a:t>
+              <a:t>12-10-2018</a:t>
             </a:fld>
             <a:endParaRPr lang="nl-NL"/>
           </a:p>
@@ -2698,7 +2714,7 @@
           <a:p>
             <a:fld id="{6D29FCE8-8197-44E4-9F05-1CD450D36209}" type="datetimeFigureOut">
               <a:rPr lang="nl-NL" smtClean="0"/>
-              <a:t>27-11-2017</a:t>
+              <a:t>12-10-2018</a:t>
             </a:fld>
             <a:endParaRPr lang="nl-NL"/>
           </a:p>
@@ -2951,7 +2967,7 @@
           <a:p>
             <a:fld id="{6D29FCE8-8197-44E4-9F05-1CD450D36209}" type="datetimeFigureOut">
               <a:rPr lang="nl-NL" smtClean="0"/>
-              <a:t>27-11-2017</a:t>
+              <a:t>12-10-2018</a:t>
             </a:fld>
             <a:endParaRPr lang="nl-NL"/>
           </a:p>
@@ -3164,7 +3180,7 @@
           <a:p>
             <a:fld id="{6D29FCE8-8197-44E4-9F05-1CD450D36209}" type="datetimeFigureOut">
               <a:rPr lang="nl-NL" smtClean="0"/>
-              <a:t>27-11-2017</a:t>
+              <a:t>12-10-2018</a:t>
             </a:fld>
             <a:endParaRPr lang="nl-NL"/>
           </a:p>
@@ -3541,13 +3557,77 @@
       </p:grpSpPr>
       <p:sp>
         <p:nvSpPr>
+          <p:cNvPr id="79" name="Rechthoek 78"/>
+          <p:cNvSpPr/>
+          <p:nvPr/>
+        </p:nvSpPr>
+        <p:spPr>
+          <a:xfrm>
+            <a:off x="3616797" y="106316"/>
+            <a:ext cx="2168366" cy="3943368"/>
+          </a:xfrm>
+          <a:prstGeom prst="rect">
+            <a:avLst/>
+          </a:prstGeom>
+          <a:solidFill>
+            <a:schemeClr val="bg2">
+              <a:lumMod val="90000"/>
+            </a:schemeClr>
+          </a:solidFill>
+          <a:ln>
+            <a:solidFill>
+              <a:schemeClr val="bg2">
+                <a:lumMod val="50000"/>
+              </a:schemeClr>
+            </a:solidFill>
+          </a:ln>
+        </p:spPr>
+        <p:style>
+          <a:lnRef idx="2">
+            <a:schemeClr val="accent1">
+              <a:shade val="50000"/>
+            </a:schemeClr>
+          </a:lnRef>
+          <a:fillRef idx="1">
+            <a:schemeClr val="accent1"/>
+          </a:fillRef>
+          <a:effectRef idx="0">
+            <a:schemeClr val="accent1"/>
+          </a:effectRef>
+          <a:fontRef idx="minor">
+            <a:schemeClr val="lt1"/>
+          </a:fontRef>
+        </p:style>
+        <p:txBody>
+          <a:bodyPr rtlCol="0" anchor="t" anchorCtr="0"/>
+          <a:lstStyle/>
+          <a:p>
+            <a:pPr algn="r"/>
+            <a:r>
+              <a:rPr lang="nl-NL" dirty="0" smtClean="0">
+                <a:solidFill>
+                  <a:schemeClr val="tx1"/>
+                </a:solidFill>
+              </a:rPr>
+              <a:t>Centrale taxonomie</a:t>
+            </a:r>
+            <a:endParaRPr lang="nl-NL" dirty="0" smtClean="0">
+              <a:solidFill>
+                <a:schemeClr val="tx1"/>
+              </a:solidFill>
+            </a:endParaRPr>
+          </a:p>
+        </p:txBody>
+      </p:sp>
+      <p:sp>
+        <p:nvSpPr>
           <p:cNvPr id="160" name="Rechthoek 159"/>
           <p:cNvSpPr/>
           <p:nvPr/>
         </p:nvSpPr>
         <p:spPr>
           <a:xfrm>
-            <a:off x="65356" y="89356"/>
+            <a:off x="64067" y="103814"/>
             <a:ext cx="9035948" cy="6696744"/>
           </a:xfrm>
           <a:prstGeom prst="rect">
@@ -3653,18 +3733,7 @@
                   <a:schemeClr val="tx1"/>
                 </a:solidFill>
               </a:rPr>
-              <a:t>Verseon</a:t>
-            </a:r>
-          </a:p>
-          <a:p>
-            <a:pPr algn="r"/>
-            <a:r>
-              <a:rPr lang="nl-NL" dirty="0" smtClean="0">
-                <a:solidFill>
-                  <a:schemeClr val="tx1"/>
-                </a:solidFill>
-              </a:rPr>
-              <a:t>/DMS</a:t>
+              <a:t>DMS</a:t>
             </a:r>
             <a:endParaRPr lang="nl-NL" dirty="0">
               <a:solidFill>
@@ -3682,8 +3751,8 @@
         </p:nvSpPr>
         <p:spPr>
           <a:xfrm>
-            <a:off x="4062516" y="340280"/>
-            <a:ext cx="3859756" cy="2819624"/>
+            <a:off x="5828832" y="470492"/>
+            <a:ext cx="3178234" cy="2819624"/>
           </a:xfrm>
           <a:prstGeom prst="rect">
             <a:avLst/>
@@ -3725,25 +3794,14 @@
           <a:p>
             <a:pPr algn="r"/>
             <a:r>
-              <a:rPr lang="nl-NL" dirty="0" smtClean="0">
+              <a:rPr lang="nl-NL" dirty="0" err="1" smtClean="0">
                 <a:solidFill>
                   <a:schemeClr val="tx1"/>
                 </a:solidFill>
               </a:rPr>
               <a:t>Relatics</a:t>
             </a:r>
-          </a:p>
-          <a:p>
-            <a:pPr algn="r"/>
-            <a:r>
-              <a:rPr lang="nl-NL" dirty="0" smtClean="0">
-                <a:solidFill>
-                  <a:schemeClr val="tx1"/>
-                </a:solidFill>
-              </a:rPr>
-              <a:t>/Vraagspecificatie</a:t>
-            </a:r>
-            <a:endParaRPr lang="nl-NL" dirty="0">
+            <a:endParaRPr lang="nl-NL" dirty="0" smtClean="0">
               <a:solidFill>
                 <a:schemeClr val="tx1"/>
               </a:solidFill>
@@ -3760,7 +3818,7 @@
         <p:spPr>
           <a:xfrm>
             <a:off x="136180" y="340280"/>
-            <a:ext cx="3859756" cy="3592776"/>
+            <a:ext cx="3416315" cy="3592776"/>
           </a:xfrm>
           <a:prstGeom prst="rect">
             <a:avLst/>
@@ -3809,18 +3867,7 @@
               </a:rPr>
               <a:t>Areaaldata</a:t>
             </a:r>
-          </a:p>
-          <a:p>
-            <a:pPr algn="r"/>
-            <a:r>
-              <a:rPr lang="nl-NL" dirty="0" smtClean="0">
-                <a:solidFill>
-                  <a:schemeClr val="tx1"/>
-                </a:solidFill>
-              </a:rPr>
-              <a:t>/IMBOR</a:t>
-            </a:r>
-            <a:endParaRPr lang="nl-NL" dirty="0">
+            <a:endParaRPr lang="nl-NL" dirty="0" smtClean="0">
               <a:solidFill>
                 <a:schemeClr val="tx1"/>
               </a:solidFill>
@@ -3902,7 +3949,7 @@
         </p:nvSpPr>
         <p:spPr>
           <a:xfrm>
-            <a:off x="683568" y="639624"/>
+            <a:off x="497006" y="654082"/>
             <a:ext cx="1512168" cy="288032"/>
           </a:xfrm>
           <a:prstGeom prst="ellipse">
@@ -3946,7 +3993,7 @@
         </p:nvSpPr>
         <p:spPr>
           <a:xfrm>
-            <a:off x="850112" y="1359704"/>
+            <a:off x="663550" y="1374162"/>
             <a:ext cx="1512168" cy="288032"/>
           </a:xfrm>
           <a:prstGeom prst="ellipse">
@@ -3990,7 +4037,7 @@
         </p:nvSpPr>
         <p:spPr>
           <a:xfrm>
-            <a:off x="395536" y="2583840"/>
+            <a:off x="208974" y="2598298"/>
             <a:ext cx="1512168" cy="288032"/>
           </a:xfrm>
           <a:prstGeom prst="ellipse">
@@ -4034,7 +4081,7 @@
         </p:nvSpPr>
         <p:spPr>
           <a:xfrm>
-            <a:off x="1547664" y="2295808"/>
+            <a:off x="1361102" y="2310266"/>
             <a:ext cx="1512168" cy="288032"/>
           </a:xfrm>
           <a:prstGeom prst="ellipse">
@@ -4081,7 +4128,7 @@
         </p:nvCxnSpPr>
         <p:spPr>
           <a:xfrm>
-            <a:off x="1439652" y="927656"/>
+            <a:off x="1253090" y="942114"/>
             <a:ext cx="166544" cy="432048"/>
           </a:xfrm>
           <a:prstGeom prst="line">
@@ -4114,7 +4161,7 @@
         </p:nvCxnSpPr>
         <p:spPr>
           <a:xfrm>
-            <a:off x="1606196" y="1647736"/>
+            <a:off x="1419634" y="1662194"/>
             <a:ext cx="697552" cy="648072"/>
           </a:xfrm>
           <a:prstGeom prst="line">
@@ -4147,7 +4194,7 @@
         </p:nvCxnSpPr>
         <p:spPr>
           <a:xfrm flipH="1">
-            <a:off x="1151620" y="1647736"/>
+            <a:off x="965058" y="1662194"/>
             <a:ext cx="454576" cy="936104"/>
           </a:xfrm>
           <a:prstGeom prst="line">
@@ -4177,7 +4224,7 @@
         </p:nvSpPr>
         <p:spPr>
           <a:xfrm>
-            <a:off x="2469480" y="3159904"/>
+            <a:off x="2282918" y="3174362"/>
             <a:ext cx="1152128" cy="216024"/>
           </a:xfrm>
           <a:prstGeom prst="rect">
@@ -4221,7 +4268,7 @@
         </p:nvSpPr>
         <p:spPr>
           <a:xfrm>
-            <a:off x="2469480" y="3437728"/>
+            <a:off x="2282918" y="3452186"/>
             <a:ext cx="1152128" cy="216024"/>
           </a:xfrm>
           <a:prstGeom prst="rect">
@@ -4265,7 +4312,7 @@
         </p:nvSpPr>
         <p:spPr>
           <a:xfrm>
-            <a:off x="2483768" y="2871872"/>
+            <a:off x="2297206" y="2886330"/>
             <a:ext cx="1152128" cy="216024"/>
           </a:xfrm>
           <a:prstGeom prst="rect">
@@ -4312,7 +4359,7 @@
         </p:nvCxnSpPr>
         <p:spPr>
           <a:xfrm rot="16200000" flipH="1">
-            <a:off x="2195736" y="2691852"/>
+            <a:off x="2009174" y="2706310"/>
             <a:ext cx="396044" cy="180020"/>
           </a:xfrm>
           <a:prstGeom prst="bentConnector2">
@@ -4345,7 +4392,7 @@
         </p:nvCxnSpPr>
         <p:spPr>
           <a:xfrm rot="16200000" flipH="1">
-            <a:off x="2044576" y="2843012"/>
+            <a:off x="1858014" y="2857470"/>
             <a:ext cx="684076" cy="165732"/>
           </a:xfrm>
           <a:prstGeom prst="bentConnector2">
@@ -4378,7 +4425,7 @@
         </p:nvCxnSpPr>
         <p:spPr>
           <a:xfrm rot="16200000" flipH="1">
-            <a:off x="1905664" y="2981924"/>
+            <a:off x="1719102" y="2996382"/>
             <a:ext cx="961900" cy="165732"/>
           </a:xfrm>
           <a:prstGeom prst="bentConnector2">
@@ -4408,7 +4455,7 @@
         </p:nvSpPr>
         <p:spPr>
           <a:xfrm>
-            <a:off x="4688396" y="469072"/>
+            <a:off x="6041118" y="667830"/>
             <a:ext cx="1512168" cy="341104"/>
           </a:xfrm>
           <a:prstGeom prst="ellipse">
@@ -4464,7 +4511,7 @@
         </p:nvSpPr>
         <p:spPr>
           <a:xfrm>
-            <a:off x="4516760" y="1379808"/>
+            <a:off x="5869482" y="1578566"/>
             <a:ext cx="1512168" cy="341104"/>
           </a:xfrm>
           <a:prstGeom prst="ellipse">
@@ -4520,7 +4567,7 @@
         </p:nvSpPr>
         <p:spPr>
           <a:xfrm>
-            <a:off x="4832412" y="2459928"/>
+            <a:off x="6185134" y="2658686"/>
             <a:ext cx="1512168" cy="341104"/>
           </a:xfrm>
           <a:prstGeom prst="ellipse">
@@ -4800,7 +4847,7 @@
         </p:nvSpPr>
         <p:spPr>
           <a:xfrm>
-            <a:off x="6028928" y="1703844"/>
+            <a:off x="7381650" y="1902602"/>
             <a:ext cx="1512168" cy="341104"/>
           </a:xfrm>
           <a:prstGeom prst="ellipse">
@@ -4859,7 +4906,7 @@
         </p:nvCxnSpPr>
         <p:spPr>
           <a:xfrm flipH="1">
-            <a:off x="5272844" y="810176"/>
+            <a:off x="6625566" y="1008934"/>
             <a:ext cx="171636" cy="569632"/>
           </a:xfrm>
           <a:prstGeom prst="line">
@@ -4892,7 +4939,7 @@
         </p:nvCxnSpPr>
         <p:spPr>
           <a:xfrm>
-            <a:off x="5444480" y="810176"/>
+            <a:off x="6797202" y="1008934"/>
             <a:ext cx="1340532" cy="893668"/>
           </a:xfrm>
           <a:prstGeom prst="line">
@@ -4925,7 +4972,7 @@
         </p:nvCxnSpPr>
         <p:spPr>
           <a:xfrm>
-            <a:off x="5272844" y="1720912"/>
+            <a:off x="6625566" y="1919670"/>
             <a:ext cx="315652" cy="739016"/>
           </a:xfrm>
           <a:prstGeom prst="line">
@@ -5711,7 +5758,7 @@
         </p:nvSpPr>
         <p:spPr>
           <a:xfrm>
-            <a:off x="6029360" y="1093439"/>
+            <a:off x="7382082" y="1292197"/>
             <a:ext cx="745717" cy="246221"/>
           </a:xfrm>
           <a:prstGeom prst="rect">
@@ -5741,7 +5788,7 @@
         </p:nvSpPr>
         <p:spPr>
           <a:xfrm>
-            <a:off x="5158711" y="1093438"/>
+            <a:off x="6511433" y="1292196"/>
             <a:ext cx="745717" cy="246221"/>
           </a:xfrm>
           <a:prstGeom prst="rect">
@@ -5771,7 +5818,7 @@
         </p:nvSpPr>
         <p:spPr>
           <a:xfrm>
-            <a:off x="5430074" y="2044948"/>
+            <a:off x="6782796" y="2243706"/>
             <a:ext cx="745717" cy="246221"/>
           </a:xfrm>
           <a:prstGeom prst="rect">
@@ -5801,7 +5848,7 @@
         </p:nvSpPr>
         <p:spPr>
           <a:xfrm>
-            <a:off x="1497782" y="999618"/>
+            <a:off x="1311220" y="1014076"/>
             <a:ext cx="481222" cy="246221"/>
           </a:xfrm>
           <a:prstGeom prst="rect">
@@ -5831,7 +5878,7 @@
         </p:nvSpPr>
         <p:spPr>
           <a:xfrm>
-            <a:off x="1329420" y="2013557"/>
+            <a:off x="1142858" y="2028015"/>
             <a:ext cx="481222" cy="246221"/>
           </a:xfrm>
           <a:prstGeom prst="rect">
@@ -5861,7 +5908,7 @@
         </p:nvSpPr>
         <p:spPr>
           <a:xfrm>
-            <a:off x="1931235" y="1848661"/>
+            <a:off x="1744673" y="1863119"/>
             <a:ext cx="481222" cy="246221"/>
           </a:xfrm>
           <a:prstGeom prst="rect">
@@ -5891,7 +5938,7 @@
         </p:nvSpPr>
         <p:spPr>
           <a:xfrm>
-            <a:off x="2232075" y="2625651"/>
+            <a:off x="2045513" y="2640109"/>
             <a:ext cx="474810" cy="246221"/>
           </a:xfrm>
           <a:prstGeom prst="rect">
@@ -5943,16 +5990,94 @@
           </a:p>
         </p:txBody>
       </p:sp>
-      <p:sp>
-        <p:nvSpPr>
-          <p:cNvPr id="127" name="Ovaal 126"/>
+      <p:cxnSp>
+        <p:nvCxnSpPr>
+          <p:cNvPr id="129" name="Rechte verbindingslijn 128"/>
+          <p:cNvCxnSpPr>
+            <a:stCxn id="33" idx="4"/>
+            <a:endCxn id="100" idx="4"/>
+          </p:cNvCxnSpPr>
+          <p:nvPr/>
+        </p:nvCxnSpPr>
+        <p:spPr>
+          <a:xfrm flipH="1" flipV="1">
+            <a:off x="4087557" y="2397372"/>
+            <a:ext cx="2853661" cy="602418"/>
+          </a:xfrm>
+          <a:prstGeom prst="line">
+            <a:avLst/>
+          </a:prstGeom>
+          <a:ln w="12700">
+            <a:solidFill>
+              <a:srgbClr val="7030A0"/>
+            </a:solidFill>
+            <a:prstDash val="dashDot"/>
+          </a:ln>
+        </p:spPr>
+        <p:style>
+          <a:lnRef idx="1">
+            <a:schemeClr val="accent1"/>
+          </a:lnRef>
+          <a:fillRef idx="0">
+            <a:schemeClr val="accent1"/>
+          </a:fillRef>
+          <a:effectRef idx="0">
+            <a:schemeClr val="accent1"/>
+          </a:effectRef>
+          <a:fontRef idx="minor">
+            <a:schemeClr val="tx1"/>
+          </a:fontRef>
+        </p:style>
+      </p:cxnSp>
+      <p:cxnSp>
+        <p:nvCxnSpPr>
+          <p:cNvPr id="130" name="Rechte verbindingslijn 129"/>
+          <p:cNvCxnSpPr>
+            <a:stCxn id="19" idx="3"/>
+            <a:endCxn id="101" idx="4"/>
+          </p:cNvCxnSpPr>
+          <p:nvPr/>
+        </p:nvCxnSpPr>
+        <p:spPr>
+          <a:xfrm flipV="1">
+            <a:off x="3449334" y="2452728"/>
+            <a:ext cx="1816886" cy="541614"/>
+          </a:xfrm>
+          <a:prstGeom prst="line">
+            <a:avLst/>
+          </a:prstGeom>
+          <a:ln w="12700">
+            <a:solidFill>
+              <a:srgbClr val="7030A0"/>
+            </a:solidFill>
+            <a:prstDash val="dashDot"/>
+          </a:ln>
+        </p:spPr>
+        <p:style>
+          <a:lnRef idx="1">
+            <a:schemeClr val="accent1"/>
+          </a:lnRef>
+          <a:fillRef idx="0">
+            <a:schemeClr val="accent1"/>
+          </a:fillRef>
+          <a:effectRef idx="0">
+            <a:schemeClr val="accent1"/>
+          </a:effectRef>
+          <a:fontRef idx="minor">
+            <a:schemeClr val="tx1"/>
+          </a:fontRef>
+        </p:style>
+      </p:cxnSp>
+      <p:sp>
+        <p:nvSpPr>
+          <p:cNvPr id="133" name="Ovaal 132"/>
           <p:cNvSpPr/>
           <p:nvPr/>
         </p:nvSpPr>
         <p:spPr>
           <a:xfrm>
-            <a:off x="4224166" y="3337588"/>
-            <a:ext cx="1512168" cy="341104"/>
+            <a:off x="4569341" y="3484643"/>
+            <a:ext cx="1158979" cy="472705"/>
           </a:xfrm>
           <a:prstGeom prst="ellipse">
             <a:avLst/>
@@ -5994,11 +6119,7 @@
             <a:pPr algn="ctr"/>
             <a:r>
               <a:rPr lang="nl-NL" sz="1000" dirty="0" smtClean="0"/>
-              <a:t>Wegelement = </a:t>
-            </a:r>
-            <a:r>
-              <a:rPr lang="nl-NL" sz="1000" dirty="0" err="1" smtClean="0"/>
-              <a:t>Wegdeel</a:t>
+              <a:t>Document beschrijft Asset</a:t>
             </a:r>
             <a:endParaRPr lang="nl-NL" sz="1000" dirty="0"/>
           </a:p>
@@ -6006,17 +6127,17 @@
       </p:sp>
       <p:cxnSp>
         <p:nvCxnSpPr>
-          <p:cNvPr id="129" name="Rechte verbindingslijn 128"/>
+          <p:cNvPr id="136" name="Rechte verbindingslijn 135"/>
           <p:cNvCxnSpPr>
-            <a:stCxn id="33" idx="4"/>
-            <a:endCxn id="127" idx="0"/>
+            <a:stCxn id="7" idx="6"/>
+            <a:endCxn id="133" idx="0"/>
           </p:cNvCxnSpPr>
           <p:nvPr/>
         </p:nvCxnSpPr>
         <p:spPr>
-          <a:xfrm flipH="1">
-            <a:off x="4980250" y="2801032"/>
-            <a:ext cx="608246" cy="536556"/>
+          <a:xfrm>
+            <a:off x="2873270" y="2454282"/>
+            <a:ext cx="2275561" cy="1030361"/>
           </a:xfrm>
           <a:prstGeom prst="line">
             <a:avLst/>
@@ -6045,17 +6166,53 @@
       </p:cxnSp>
       <p:cxnSp>
         <p:nvCxnSpPr>
-          <p:cNvPr id="130" name="Rechte verbindingslijn 129"/>
+          <p:cNvPr id="139" name="Rechte verbindingslijn 138"/>
           <p:cNvCxnSpPr>
-            <a:stCxn id="19" idx="3"/>
-            <a:endCxn id="127" idx="0"/>
+            <a:stCxn id="133" idx="4"/>
+            <a:endCxn id="82" idx="0"/>
           </p:cNvCxnSpPr>
           <p:nvPr/>
         </p:nvCxnSpPr>
         <p:spPr>
           <a:xfrm>
-            <a:off x="3635896" y="2979884"/>
-            <a:ext cx="1344354" cy="357704"/>
+            <a:off x="5148831" y="3957348"/>
+            <a:ext cx="1511681" cy="525533"/>
+          </a:xfrm>
+          <a:prstGeom prst="line">
+            <a:avLst/>
+          </a:prstGeom>
+          <a:ln>
+            <a:prstDash val="dashDot"/>
+          </a:ln>
+        </p:spPr>
+        <p:style>
+          <a:lnRef idx="1">
+            <a:schemeClr val="accent1"/>
+          </a:lnRef>
+          <a:fillRef idx="0">
+            <a:schemeClr val="accent1"/>
+          </a:fillRef>
+          <a:effectRef idx="0">
+            <a:schemeClr val="accent1"/>
+          </a:effectRef>
+          <a:fontRef idx="minor">
+            <a:schemeClr val="tx1"/>
+          </a:fontRef>
+        </p:style>
+      </p:cxnSp>
+      <p:cxnSp>
+        <p:nvCxnSpPr>
+          <p:cNvPr id="145" name="Rechte verbindingslijn 144"/>
+          <p:cNvCxnSpPr>
+            <a:stCxn id="35" idx="6"/>
+            <a:endCxn id="82" idx="2"/>
+          </p:cNvCxnSpPr>
+          <p:nvPr/>
+        </p:nvCxnSpPr>
+        <p:spPr>
+          <a:xfrm flipV="1">
+            <a:off x="4062516" y="4653433"/>
+            <a:ext cx="1841912" cy="1035499"/>
           </a:xfrm>
           <a:prstGeom prst="line">
             <a:avLst/>
@@ -6082,16 +6239,94 @@
           </a:fontRef>
         </p:style>
       </p:cxnSp>
-      <p:sp>
-        <p:nvSpPr>
-          <p:cNvPr id="133" name="Ovaal 132"/>
+      <p:cxnSp>
+        <p:nvCxnSpPr>
+          <p:cNvPr id="148" name="Rechte verbindingslijn 147"/>
+          <p:cNvCxnSpPr>
+            <a:stCxn id="34" idx="0"/>
+            <a:endCxn id="7" idx="4"/>
+          </p:cNvCxnSpPr>
+          <p:nvPr/>
+        </p:nvCxnSpPr>
+        <p:spPr>
+          <a:xfrm flipV="1">
+            <a:off x="1365046" y="2598298"/>
+            <a:ext cx="752140" cy="2055135"/>
+          </a:xfrm>
+          <a:prstGeom prst="line">
+            <a:avLst/>
+          </a:prstGeom>
+          <a:ln w="12700">
+            <a:solidFill>
+              <a:srgbClr val="7030A0"/>
+            </a:solidFill>
+            <a:prstDash val="dashDot"/>
+          </a:ln>
+        </p:spPr>
+        <p:style>
+          <a:lnRef idx="1">
+            <a:schemeClr val="accent1"/>
+          </a:lnRef>
+          <a:fillRef idx="0">
+            <a:schemeClr val="accent1"/>
+          </a:fillRef>
+          <a:effectRef idx="0">
+            <a:schemeClr val="accent1"/>
+          </a:effectRef>
+          <a:fontRef idx="minor">
+            <a:schemeClr val="tx1"/>
+          </a:fontRef>
+        </p:style>
+      </p:cxnSp>
+      <p:cxnSp>
+        <p:nvCxnSpPr>
+          <p:cNvPr id="151" name="Rechte verbindingslijn 150"/>
+          <p:cNvCxnSpPr>
+            <a:stCxn id="36" idx="0"/>
+            <a:endCxn id="154" idx="3"/>
+          </p:cNvCxnSpPr>
+          <p:nvPr/>
+        </p:nvCxnSpPr>
+        <p:spPr>
+          <a:xfrm flipV="1">
+            <a:off x="1253090" y="3657737"/>
+            <a:ext cx="2632152" cy="1689240"/>
+          </a:xfrm>
+          <a:prstGeom prst="line">
+            <a:avLst/>
+          </a:prstGeom>
+          <a:ln w="12700">
+            <a:solidFill>
+              <a:srgbClr val="7030A0"/>
+            </a:solidFill>
+            <a:prstDash val="dashDot"/>
+          </a:ln>
+        </p:spPr>
+        <p:style>
+          <a:lnRef idx="1">
+            <a:schemeClr val="accent1"/>
+          </a:lnRef>
+          <a:fillRef idx="0">
+            <a:schemeClr val="accent1"/>
+          </a:fillRef>
+          <a:effectRef idx="0">
+            <a:schemeClr val="accent1"/>
+          </a:effectRef>
+          <a:fontRef idx="minor">
+            <a:schemeClr val="tx1"/>
+          </a:fontRef>
+        </p:style>
+      </p:cxnSp>
+      <p:sp>
+        <p:nvSpPr>
+          <p:cNvPr id="154" name="Ovaal 153"/>
           <p:cNvSpPr/>
           <p:nvPr/>
         </p:nvSpPr>
         <p:spPr>
           <a:xfrm>
-            <a:off x="5646134" y="3591952"/>
-            <a:ext cx="1512168" cy="341104"/>
+            <a:off x="3746676" y="3227558"/>
+            <a:ext cx="946191" cy="503986"/>
           </a:xfrm>
           <a:prstGeom prst="ellipse">
             <a:avLst/>
@@ -6133,7 +6368,7 @@
             <a:pPr algn="ctr"/>
             <a:r>
               <a:rPr lang="nl-NL" sz="1000" dirty="0" smtClean="0"/>
-              <a:t>Document beschrijft Asset</a:t>
+              <a:t>Functie is gelijk aan</a:t>
             </a:r>
             <a:endParaRPr lang="nl-NL" sz="1000" dirty="0"/>
           </a:p>
@@ -6141,17 +6376,17 @@
       </p:sp>
       <p:cxnSp>
         <p:nvCxnSpPr>
-          <p:cNvPr id="136" name="Rechte verbindingslijn 135"/>
+          <p:cNvPr id="156" name="Rechte verbindingslijn 155"/>
           <p:cNvCxnSpPr>
-            <a:stCxn id="7" idx="6"/>
-            <a:endCxn id="133" idx="0"/>
+            <a:stCxn id="17" idx="3"/>
+            <a:endCxn id="154" idx="1"/>
           </p:cNvCxnSpPr>
           <p:nvPr/>
         </p:nvCxnSpPr>
         <p:spPr>
           <a:xfrm>
-            <a:off x="3059832" y="2439824"/>
-            <a:ext cx="3342386" cy="1152128"/>
+            <a:off x="3435046" y="3282374"/>
+            <a:ext cx="450196" cy="18991"/>
           </a:xfrm>
           <a:prstGeom prst="line">
             <a:avLst/>
@@ -6178,26 +6413,198 @@
           </a:fontRef>
         </p:style>
       </p:cxnSp>
+      <p:sp>
+        <p:nvSpPr>
+          <p:cNvPr id="80" name="Ovaal 79"/>
+          <p:cNvSpPr/>
+          <p:nvPr/>
+        </p:nvSpPr>
+        <p:spPr>
+          <a:xfrm>
+            <a:off x="4105430" y="654082"/>
+            <a:ext cx="1015737" cy="288032"/>
+          </a:xfrm>
+          <a:prstGeom prst="ellipse">
+            <a:avLst/>
+          </a:prstGeom>
+          <a:solidFill>
+            <a:schemeClr val="bg2">
+              <a:lumMod val="75000"/>
+            </a:schemeClr>
+          </a:solidFill>
+          <a:ln>
+            <a:solidFill>
+              <a:schemeClr val="bg2">
+                <a:lumMod val="50000"/>
+              </a:schemeClr>
+            </a:solidFill>
+          </a:ln>
+        </p:spPr>
+        <p:style>
+          <a:lnRef idx="2">
+            <a:schemeClr val="accent1">
+              <a:shade val="50000"/>
+            </a:schemeClr>
+          </a:lnRef>
+          <a:fillRef idx="1">
+            <a:schemeClr val="accent1"/>
+          </a:fillRef>
+          <a:effectRef idx="0">
+            <a:schemeClr val="accent1"/>
+          </a:effectRef>
+          <a:fontRef idx="minor">
+            <a:schemeClr val="lt1"/>
+          </a:fontRef>
+        </p:style>
+        <p:txBody>
+          <a:bodyPr rtlCol="0" anchor="ctr"/>
+          <a:lstStyle/>
+          <a:p>
+            <a:pPr algn="ctr"/>
+            <a:r>
+              <a:rPr lang="nl-NL" sz="1000" dirty="0" smtClean="0"/>
+              <a:t>Object</a:t>
+            </a:r>
+            <a:endParaRPr lang="nl-NL" sz="1000" dirty="0"/>
+          </a:p>
+        </p:txBody>
+      </p:sp>
+      <p:sp>
+        <p:nvSpPr>
+          <p:cNvPr id="81" name="Ovaal 80"/>
+          <p:cNvSpPr/>
+          <p:nvPr/>
+        </p:nvSpPr>
+        <p:spPr>
+          <a:xfrm>
+            <a:off x="4860031" y="1468597"/>
+            <a:ext cx="892879" cy="288032"/>
+          </a:xfrm>
+          <a:prstGeom prst="ellipse">
+            <a:avLst/>
+          </a:prstGeom>
+          <a:solidFill>
+            <a:schemeClr val="bg2">
+              <a:lumMod val="75000"/>
+            </a:schemeClr>
+          </a:solidFill>
+          <a:ln>
+            <a:solidFill>
+              <a:schemeClr val="bg2">
+                <a:lumMod val="50000"/>
+              </a:schemeClr>
+            </a:solidFill>
+          </a:ln>
+        </p:spPr>
+        <p:style>
+          <a:lnRef idx="2">
+            <a:schemeClr val="accent1">
+              <a:shade val="50000"/>
+            </a:schemeClr>
+          </a:lnRef>
+          <a:fillRef idx="1">
+            <a:schemeClr val="accent1"/>
+          </a:fillRef>
+          <a:effectRef idx="0">
+            <a:schemeClr val="accent1"/>
+          </a:effectRef>
+          <a:fontRef idx="minor">
+            <a:schemeClr val="lt1"/>
+          </a:fontRef>
+        </p:style>
+        <p:txBody>
+          <a:bodyPr rtlCol="0" anchor="ctr"/>
+          <a:lstStyle/>
+          <a:p>
+            <a:pPr algn="ctr"/>
+            <a:r>
+              <a:rPr lang="nl-NL" sz="1000" dirty="0" smtClean="0"/>
+              <a:t>Fysiek</a:t>
+            </a:r>
+          </a:p>
+          <a:p>
+            <a:pPr algn="ctr"/>
+            <a:r>
+              <a:rPr lang="nl-NL" sz="1000" dirty="0" smtClean="0"/>
+              <a:t>Object</a:t>
+            </a:r>
+            <a:endParaRPr lang="nl-NL" sz="1000" dirty="0"/>
+          </a:p>
+        </p:txBody>
+      </p:sp>
+      <p:sp>
+        <p:nvSpPr>
+          <p:cNvPr id="83" name="Ovaal 82"/>
+          <p:cNvSpPr/>
+          <p:nvPr/>
+        </p:nvSpPr>
+        <p:spPr>
+          <a:xfrm>
+            <a:off x="3711856" y="1514733"/>
+            <a:ext cx="870185" cy="288032"/>
+          </a:xfrm>
+          <a:prstGeom prst="ellipse">
+            <a:avLst/>
+          </a:prstGeom>
+          <a:solidFill>
+            <a:schemeClr val="bg2">
+              <a:lumMod val="75000"/>
+            </a:schemeClr>
+          </a:solidFill>
+          <a:ln>
+            <a:solidFill>
+              <a:schemeClr val="bg2">
+                <a:lumMod val="50000"/>
+              </a:schemeClr>
+            </a:solidFill>
+          </a:ln>
+        </p:spPr>
+        <p:style>
+          <a:lnRef idx="2">
+            <a:schemeClr val="accent1">
+              <a:shade val="50000"/>
+            </a:schemeClr>
+          </a:lnRef>
+          <a:fillRef idx="1">
+            <a:schemeClr val="accent1"/>
+          </a:fillRef>
+          <a:effectRef idx="0">
+            <a:schemeClr val="accent1"/>
+          </a:effectRef>
+          <a:fontRef idx="minor">
+            <a:schemeClr val="lt1"/>
+          </a:fontRef>
+        </p:style>
+        <p:txBody>
+          <a:bodyPr rtlCol="0" anchor="ctr"/>
+          <a:lstStyle/>
+          <a:p>
+            <a:pPr algn="ctr"/>
+            <a:r>
+              <a:rPr lang="nl-NL" sz="1000" dirty="0" smtClean="0"/>
+              <a:t>Ruimte</a:t>
+            </a:r>
+            <a:endParaRPr lang="nl-NL" sz="1000" dirty="0"/>
+          </a:p>
+        </p:txBody>
+      </p:sp>
       <p:cxnSp>
         <p:nvCxnSpPr>
-          <p:cNvPr id="139" name="Rechte verbindingslijn 138"/>
+          <p:cNvPr id="88" name="Rechte verbindingslijn 87"/>
           <p:cNvCxnSpPr>
-            <a:stCxn id="133" idx="4"/>
-            <a:endCxn id="82" idx="0"/>
+            <a:stCxn id="80" idx="4"/>
+            <a:endCxn id="81" idx="0"/>
           </p:cNvCxnSpPr>
           <p:nvPr/>
         </p:nvCxnSpPr>
         <p:spPr>
           <a:xfrm>
-            <a:off x="6402218" y="3933056"/>
-            <a:ext cx="258294" cy="549825"/>
+            <a:off x="4613299" y="942114"/>
+            <a:ext cx="693172" cy="526483"/>
           </a:xfrm>
           <a:prstGeom prst="line">
             <a:avLst/>
           </a:prstGeom>
-          <a:ln>
-            <a:prstDash val="dashDot"/>
-          </a:ln>
         </p:spPr>
         <p:style>
           <a:lnRef idx="1">
@@ -6216,27 +6623,226 @@
       </p:cxnSp>
       <p:cxnSp>
         <p:nvCxnSpPr>
-          <p:cNvPr id="145" name="Rechte verbindingslijn 144"/>
+          <p:cNvPr id="91" name="Rechte verbindingslijn 90"/>
           <p:cNvCxnSpPr>
-            <a:stCxn id="35" idx="6"/>
-            <a:endCxn id="82" idx="2"/>
+            <a:stCxn id="80" idx="4"/>
+            <a:endCxn id="83" idx="0"/>
           </p:cNvCxnSpPr>
           <p:nvPr/>
         </p:nvCxnSpPr>
         <p:spPr>
-          <a:xfrm flipV="1">
-            <a:off x="4062516" y="4653433"/>
-            <a:ext cx="1841912" cy="1035499"/>
+          <a:xfrm flipH="1">
+            <a:off x="4146949" y="942114"/>
+            <a:ext cx="466350" cy="572619"/>
           </a:xfrm>
           <a:prstGeom prst="line">
             <a:avLst/>
           </a:prstGeom>
-          <a:ln w="12700">
+        </p:spPr>
+        <p:style>
+          <a:lnRef idx="1">
+            <a:schemeClr val="accent1"/>
+          </a:lnRef>
+          <a:fillRef idx="0">
+            <a:schemeClr val="accent1"/>
+          </a:fillRef>
+          <a:effectRef idx="0">
+            <a:schemeClr val="accent1"/>
+          </a:effectRef>
+          <a:fontRef idx="minor">
+            <a:schemeClr val="tx1"/>
+          </a:fontRef>
+        </p:style>
+      </p:cxnSp>
+      <p:sp>
+        <p:nvSpPr>
+          <p:cNvPr id="92" name="Tekstvak 91"/>
+          <p:cNvSpPr txBox="1"/>
+          <p:nvPr/>
+        </p:nvSpPr>
+        <p:spPr>
+          <a:xfrm>
+            <a:off x="4810024" y="1006049"/>
+            <a:ext cx="622286" cy="246221"/>
+          </a:xfrm>
+          <a:prstGeom prst="rect">
+            <a:avLst/>
+          </a:prstGeom>
+          <a:noFill/>
+        </p:spPr>
+        <p:txBody>
+          <a:bodyPr wrap="none" rtlCol="0">
+            <a:spAutoFit/>
+          </a:bodyPr>
+          <a:lstStyle/>
+          <a:p>
+            <a:r>
+              <a:rPr lang="nl-NL" sz="1000" dirty="0" err="1" smtClean="0"/>
+              <a:t>Subclass</a:t>
+            </a:r>
+            <a:endParaRPr lang="nl-NL" sz="1000" dirty="0"/>
+          </a:p>
+        </p:txBody>
+      </p:sp>
+      <p:sp>
+        <p:nvSpPr>
+          <p:cNvPr id="95" name="Tekstvak 94"/>
+          <p:cNvSpPr txBox="1"/>
+          <p:nvPr/>
+        </p:nvSpPr>
+        <p:spPr>
+          <a:xfrm>
+            <a:off x="3805888" y="1046506"/>
+            <a:ext cx="622286" cy="246221"/>
+          </a:xfrm>
+          <a:prstGeom prst="rect">
+            <a:avLst/>
+          </a:prstGeom>
+          <a:noFill/>
+        </p:spPr>
+        <p:txBody>
+          <a:bodyPr wrap="none" rtlCol="0">
+            <a:spAutoFit/>
+          </a:bodyPr>
+          <a:lstStyle/>
+          <a:p>
+            <a:r>
+              <a:rPr lang="nl-NL" sz="1000" dirty="0" err="1" smtClean="0"/>
+              <a:t>Subclass</a:t>
+            </a:r>
+            <a:endParaRPr lang="nl-NL" sz="1000" dirty="0"/>
+          </a:p>
+        </p:txBody>
+      </p:sp>
+      <p:sp>
+        <p:nvSpPr>
+          <p:cNvPr id="100" name="Ovaal 99"/>
+          <p:cNvSpPr/>
+          <p:nvPr/>
+        </p:nvSpPr>
+        <p:spPr>
+          <a:xfrm>
+            <a:off x="3643063" y="2109340"/>
+            <a:ext cx="888988" cy="288032"/>
+          </a:xfrm>
+          <a:prstGeom prst="ellipse">
+            <a:avLst/>
+          </a:prstGeom>
+          <a:solidFill>
+            <a:schemeClr val="bg2">
+              <a:lumMod val="75000"/>
+            </a:schemeClr>
+          </a:solidFill>
+          <a:ln>
             <a:solidFill>
-              <a:srgbClr val="7030A0"/>
+              <a:schemeClr val="bg2">
+                <a:lumMod val="50000"/>
+              </a:schemeClr>
             </a:solidFill>
-            <a:prstDash val="dashDot"/>
           </a:ln>
+        </p:spPr>
+        <p:style>
+          <a:lnRef idx="2">
+            <a:schemeClr val="accent1">
+              <a:shade val="50000"/>
+            </a:schemeClr>
+          </a:lnRef>
+          <a:fillRef idx="1">
+            <a:schemeClr val="accent1"/>
+          </a:fillRef>
+          <a:effectRef idx="0">
+            <a:schemeClr val="accent1"/>
+          </a:effectRef>
+          <a:fontRef idx="minor">
+            <a:schemeClr val="lt1"/>
+          </a:fontRef>
+        </p:style>
+        <p:txBody>
+          <a:bodyPr rtlCol="0" anchor="ctr"/>
+          <a:lstStyle/>
+          <a:p>
+            <a:pPr algn="ctr"/>
+            <a:r>
+              <a:rPr lang="nl-NL" sz="1000" dirty="0" smtClean="0"/>
+              <a:t>Netwerk</a:t>
+            </a:r>
+            <a:endParaRPr lang="nl-NL" sz="1000" dirty="0"/>
+          </a:p>
+        </p:txBody>
+      </p:sp>
+      <p:sp>
+        <p:nvSpPr>
+          <p:cNvPr id="101" name="Ovaal 100"/>
+          <p:cNvSpPr/>
+          <p:nvPr/>
+        </p:nvSpPr>
+        <p:spPr>
+          <a:xfrm>
+            <a:off x="4804119" y="2164696"/>
+            <a:ext cx="924201" cy="288032"/>
+          </a:xfrm>
+          <a:prstGeom prst="ellipse">
+            <a:avLst/>
+          </a:prstGeom>
+          <a:solidFill>
+            <a:schemeClr val="bg2">
+              <a:lumMod val="75000"/>
+            </a:schemeClr>
+          </a:solidFill>
+          <a:ln>
+            <a:solidFill>
+              <a:schemeClr val="bg2">
+                <a:lumMod val="50000"/>
+              </a:schemeClr>
+            </a:solidFill>
+          </a:ln>
+        </p:spPr>
+        <p:style>
+          <a:lnRef idx="2">
+            <a:schemeClr val="accent1">
+              <a:shade val="50000"/>
+            </a:schemeClr>
+          </a:lnRef>
+          <a:fillRef idx="1">
+            <a:schemeClr val="accent1"/>
+          </a:fillRef>
+          <a:effectRef idx="0">
+            <a:schemeClr val="accent1"/>
+          </a:effectRef>
+          <a:fontRef idx="minor">
+            <a:schemeClr val="lt1"/>
+          </a:fontRef>
+        </p:style>
+        <p:txBody>
+          <a:bodyPr rtlCol="0" anchor="ctr"/>
+          <a:lstStyle/>
+          <a:p>
+            <a:pPr algn="ctr"/>
+            <a:r>
+              <a:rPr lang="nl-NL" sz="1000" dirty="0" err="1" smtClean="0"/>
+              <a:t>Wegdeel</a:t>
+            </a:r>
+            <a:endParaRPr lang="nl-NL" sz="1000" dirty="0"/>
+          </a:p>
+        </p:txBody>
+      </p:sp>
+      <p:cxnSp>
+        <p:nvCxnSpPr>
+          <p:cNvPr id="104" name="Rechte verbindingslijn 103"/>
+          <p:cNvCxnSpPr>
+            <a:stCxn id="81" idx="4"/>
+            <a:endCxn id="101" idx="0"/>
+          </p:cNvCxnSpPr>
+          <p:nvPr/>
+        </p:nvCxnSpPr>
+        <p:spPr>
+          <a:xfrm flipH="1">
+            <a:off x="5266220" y="1756629"/>
+            <a:ext cx="40251" cy="408067"/>
+          </a:xfrm>
+          <a:prstGeom prst="line">
+            <a:avLst/>
+          </a:prstGeom>
         </p:spPr>
         <p:style>
           <a:lnRef idx="1">
@@ -6255,27 +6861,21 @@
       </p:cxnSp>
       <p:cxnSp>
         <p:nvCxnSpPr>
-          <p:cNvPr id="148" name="Rechte verbindingslijn 147"/>
+          <p:cNvPr id="105" name="Rechte verbindingslijn 104"/>
           <p:cNvCxnSpPr>
-            <a:stCxn id="34" idx="0"/>
-            <a:endCxn id="7" idx="4"/>
+            <a:stCxn id="83" idx="4"/>
+            <a:endCxn id="100" idx="0"/>
           </p:cNvCxnSpPr>
           <p:nvPr/>
         </p:nvCxnSpPr>
         <p:spPr>
-          <a:xfrm flipV="1">
-            <a:off x="1365046" y="2583840"/>
-            <a:ext cx="938702" cy="2069593"/>
+          <a:xfrm flipH="1">
+            <a:off x="4087557" y="1802765"/>
+            <a:ext cx="59392" cy="306575"/>
           </a:xfrm>
           <a:prstGeom prst="line">
             <a:avLst/>
           </a:prstGeom>
-          <a:ln w="12700">
-            <a:solidFill>
-              <a:srgbClr val="7030A0"/>
-            </a:solidFill>
-            <a:prstDash val="dashDot"/>
-          </a:ln>
         </p:spPr>
         <p:style>
           <a:lnRef idx="1">
@@ -6292,55 +6892,76 @@
           </a:fontRef>
         </p:style>
       </p:cxnSp>
-      <p:cxnSp>
-        <p:nvCxnSpPr>
-          <p:cNvPr id="151" name="Rechte verbindingslijn 150"/>
-          <p:cNvCxnSpPr>
-            <a:stCxn id="36" idx="0"/>
-            <a:endCxn id="154" idx="3"/>
-          </p:cNvCxnSpPr>
-          <p:nvPr/>
-        </p:nvCxnSpPr>
-        <p:spPr>
-          <a:xfrm flipV="1">
-            <a:off x="1253090" y="4122242"/>
-            <a:ext cx="2943303" cy="1224735"/>
-          </a:xfrm>
-          <a:prstGeom prst="line">
-            <a:avLst/>
-          </a:prstGeom>
-          <a:ln w="12700">
-            <a:solidFill>
-              <a:srgbClr val="7030A0"/>
-            </a:solidFill>
-            <a:prstDash val="dashDot"/>
-          </a:ln>
-        </p:spPr>
-        <p:style>
-          <a:lnRef idx="1">
-            <a:schemeClr val="accent1"/>
-          </a:lnRef>
-          <a:fillRef idx="0">
-            <a:schemeClr val="accent1"/>
-          </a:fillRef>
-          <a:effectRef idx="0">
-            <a:schemeClr val="accent1"/>
-          </a:effectRef>
-          <a:fontRef idx="minor">
-            <a:schemeClr val="tx1"/>
-          </a:fontRef>
-        </p:style>
-      </p:cxnSp>
-      <p:sp>
-        <p:nvSpPr>
-          <p:cNvPr id="154" name="Ovaal 153"/>
+      <p:sp>
+        <p:nvSpPr>
+          <p:cNvPr id="108" name="Tekstvak 107"/>
+          <p:cNvSpPr txBox="1"/>
+          <p:nvPr/>
+        </p:nvSpPr>
+        <p:spPr>
+          <a:xfrm>
+            <a:off x="4783231" y="1848549"/>
+            <a:ext cx="622286" cy="246221"/>
+          </a:xfrm>
+          <a:prstGeom prst="rect">
+            <a:avLst/>
+          </a:prstGeom>
+          <a:noFill/>
+        </p:spPr>
+        <p:txBody>
+          <a:bodyPr wrap="none" rtlCol="0">
+            <a:spAutoFit/>
+          </a:bodyPr>
+          <a:lstStyle/>
+          <a:p>
+            <a:r>
+              <a:rPr lang="nl-NL" sz="1000" dirty="0" err="1" smtClean="0"/>
+              <a:t>Subclass</a:t>
+            </a:r>
+            <a:endParaRPr lang="nl-NL" sz="1000" dirty="0"/>
+          </a:p>
+        </p:txBody>
+      </p:sp>
+      <p:sp>
+        <p:nvSpPr>
+          <p:cNvPr id="109" name="Tekstvak 108"/>
+          <p:cNvSpPr txBox="1"/>
+          <p:nvPr/>
+        </p:nvSpPr>
+        <p:spPr>
+          <a:xfrm>
+            <a:off x="3779095" y="1889006"/>
+            <a:ext cx="622286" cy="246221"/>
+          </a:xfrm>
+          <a:prstGeom prst="rect">
+            <a:avLst/>
+          </a:prstGeom>
+          <a:noFill/>
+        </p:spPr>
+        <p:txBody>
+          <a:bodyPr wrap="none" rtlCol="0">
+            <a:spAutoFit/>
+          </a:bodyPr>
+          <a:lstStyle/>
+          <a:p>
+            <a:r>
+              <a:rPr lang="nl-NL" sz="1000" dirty="0" err="1" smtClean="0"/>
+              <a:t>Subclass</a:t>
+            </a:r>
+            <a:endParaRPr lang="nl-NL" sz="1000" dirty="0"/>
+          </a:p>
+        </p:txBody>
+      </p:sp>
+      <p:sp>
+        <p:nvSpPr>
+          <p:cNvPr id="128" name="Ovaal 127"/>
           <p:cNvSpPr/>
           <p:nvPr/>
         </p:nvSpPr>
         <p:spPr>
           <a:xfrm>
-            <a:off x="3974941" y="3831092"/>
-            <a:ext cx="1512168" cy="341104"/>
+            <a:off x="4523036" y="2684192"/>
+            <a:ext cx="1047532" cy="354403"/>
           </a:xfrm>
           <a:prstGeom prst="ellipse">
             <a:avLst/>
@@ -6382,7 +7003,7 @@
             <a:pPr algn="ctr"/>
             <a:r>
               <a:rPr lang="nl-NL" sz="1000" dirty="0" smtClean="0"/>
-              <a:t>Functie is gelijk aan</a:t>
+              <a:t>Realiseert</a:t>
             </a:r>
             <a:endParaRPr lang="nl-NL" sz="1000" dirty="0"/>
           </a:p>
@@ -6390,17 +7011,17 @@
       </p:sp>
       <p:cxnSp>
         <p:nvCxnSpPr>
-          <p:cNvPr id="156" name="Rechte verbindingslijn 155"/>
+          <p:cNvPr id="131" name="Rechte verbindingslijn 130"/>
           <p:cNvCxnSpPr>
-            <a:stCxn id="17" idx="3"/>
-            <a:endCxn id="154" idx="1"/>
+            <a:stCxn id="100" idx="5"/>
+            <a:endCxn id="128" idx="0"/>
           </p:cNvCxnSpPr>
           <p:nvPr/>
         </p:nvCxnSpPr>
         <p:spPr>
           <a:xfrm>
-            <a:off x="3621608" y="3267916"/>
-            <a:ext cx="574785" cy="613130"/>
+            <a:off x="4401862" y="2355191"/>
+            <a:ext cx="644940" cy="329001"/>
           </a:xfrm>
           <a:prstGeom prst="line">
             <a:avLst/>
@@ -6427,177 +7048,45 @@
           </a:fontRef>
         </p:style>
       </p:cxnSp>
-      <p:sp>
-        <p:nvSpPr>
-          <p:cNvPr id="161" name="Rechthoek 160"/>
-          <p:cNvSpPr/>
-          <p:nvPr/>
-        </p:nvSpPr>
-        <p:spPr>
-          <a:xfrm>
-            <a:off x="8080584" y="639624"/>
-            <a:ext cx="945599" cy="576924"/>
-          </a:xfrm>
-          <a:prstGeom prst="rect">
-            <a:avLst/>
-          </a:prstGeom>
-          <a:solidFill>
-            <a:schemeClr val="bg2">
-              <a:lumMod val="75000"/>
-            </a:schemeClr>
-          </a:solidFill>
-          <a:ln>
+      <p:cxnSp>
+        <p:nvCxnSpPr>
+          <p:cNvPr id="132" name="Rechte verbindingslijn 131"/>
+          <p:cNvCxnSpPr>
+            <a:stCxn id="128" idx="0"/>
+            <a:endCxn id="101" idx="5"/>
+          </p:cNvCxnSpPr>
+          <p:nvPr/>
+        </p:nvCxnSpPr>
+        <p:spPr>
+          <a:xfrm flipV="1">
+            <a:off x="5046802" y="2410547"/>
+            <a:ext cx="546172" cy="273645"/>
+          </a:xfrm>
+          <a:prstGeom prst="line">
+            <a:avLst/>
+          </a:prstGeom>
+          <a:ln w="12700">
             <a:solidFill>
-              <a:schemeClr val="bg2">
-                <a:lumMod val="50000"/>
-              </a:schemeClr>
+              <a:srgbClr val="7030A0"/>
             </a:solidFill>
-            <a:prstDash val="dash"/>
+            <a:prstDash val="dashDot"/>
           </a:ln>
         </p:spPr>
         <p:style>
-          <a:lnRef idx="2">
-            <a:schemeClr val="accent1">
-              <a:shade val="50000"/>
-            </a:schemeClr>
-          </a:lnRef>
-          <a:fillRef idx="1">
-            <a:schemeClr val="accent1"/>
-          </a:fillRef>
-          <a:effectRef idx="0">
-            <a:schemeClr val="accent1"/>
-          </a:effectRef>
-          <a:fontRef idx="minor">
-            <a:schemeClr val="lt1"/>
-          </a:fontRef>
-        </p:style>
-        <p:txBody>
-          <a:bodyPr rtlCol="0" anchor="ctr"/>
-          <a:lstStyle/>
-          <a:p>
-            <a:pPr algn="ctr"/>
-            <a:r>
-              <a:rPr lang="nl-NL" dirty="0" smtClean="0"/>
-              <a:t>DVM</a:t>
-            </a:r>
-            <a:endParaRPr lang="nl-NL" dirty="0"/>
-          </a:p>
-        </p:txBody>
-      </p:sp>
-      <p:sp>
-        <p:nvSpPr>
-          <p:cNvPr id="162" name="Rechthoek 161"/>
-          <p:cNvSpPr/>
-          <p:nvPr/>
-        </p:nvSpPr>
-        <p:spPr>
-          <a:xfrm>
-            <a:off x="8080584" y="1306266"/>
-            <a:ext cx="945599" cy="576924"/>
-          </a:xfrm>
-          <a:prstGeom prst="rect">
-            <a:avLst/>
-          </a:prstGeom>
-          <a:solidFill>
-            <a:schemeClr val="bg2">
-              <a:lumMod val="75000"/>
-            </a:schemeClr>
-          </a:solidFill>
-          <a:ln>
-            <a:solidFill>
-              <a:schemeClr val="bg2">
-                <a:lumMod val="50000"/>
-              </a:schemeClr>
-            </a:solidFill>
-            <a:prstDash val="dash"/>
-          </a:ln>
-        </p:spPr>
-        <p:style>
-          <a:lnRef idx="2">
-            <a:schemeClr val="accent1">
-              <a:shade val="50000"/>
-            </a:schemeClr>
-          </a:lnRef>
-          <a:fillRef idx="1">
-            <a:schemeClr val="accent1"/>
-          </a:fillRef>
-          <a:effectRef idx="0">
-            <a:schemeClr val="accent1"/>
-          </a:effectRef>
-          <a:fontRef idx="minor">
-            <a:schemeClr val="lt1"/>
-          </a:fontRef>
-        </p:style>
-        <p:txBody>
-          <a:bodyPr rtlCol="0" anchor="ctr"/>
-          <a:lstStyle/>
-          <a:p>
-            <a:pPr algn="ctr"/>
-            <a:r>
-              <a:rPr lang="nl-NL" dirty="0" smtClean="0"/>
-              <a:t>DSO</a:t>
-            </a:r>
-            <a:endParaRPr lang="nl-NL" dirty="0"/>
-          </a:p>
-        </p:txBody>
-      </p:sp>
-      <p:sp>
-        <p:nvSpPr>
-          <p:cNvPr id="163" name="Rechthoek 162"/>
-          <p:cNvSpPr/>
-          <p:nvPr/>
-        </p:nvSpPr>
-        <p:spPr>
-          <a:xfrm>
-            <a:off x="8080584" y="1998015"/>
-            <a:ext cx="945599" cy="576924"/>
-          </a:xfrm>
-          <a:prstGeom prst="rect">
-            <a:avLst/>
-          </a:prstGeom>
-          <a:solidFill>
-            <a:schemeClr val="bg2">
-              <a:lumMod val="75000"/>
-            </a:schemeClr>
-          </a:solidFill>
-          <a:ln>
-            <a:solidFill>
-              <a:schemeClr val="bg2">
-                <a:lumMod val="50000"/>
-              </a:schemeClr>
-            </a:solidFill>
-            <a:prstDash val="dash"/>
-          </a:ln>
-        </p:spPr>
-        <p:style>
-          <a:lnRef idx="2">
-            <a:schemeClr val="accent1">
-              <a:shade val="50000"/>
-            </a:schemeClr>
-          </a:lnRef>
-          <a:fillRef idx="1">
-            <a:schemeClr val="accent1"/>
-          </a:fillRef>
-          <a:effectRef idx="0">
-            <a:schemeClr val="accent1"/>
-          </a:effectRef>
-          <a:fontRef idx="minor">
-            <a:schemeClr val="lt1"/>
-          </a:fontRef>
-        </p:style>
-        <p:txBody>
-          <a:bodyPr rtlCol="0" anchor="ctr"/>
-          <a:lstStyle/>
-          <a:p>
-            <a:pPr algn="ctr"/>
-            <a:r>
-              <a:rPr lang="nl-NL" dirty="0" smtClean="0"/>
-              <a:t>??</a:t>
-            </a:r>
-            <a:endParaRPr lang="nl-NL" dirty="0"/>
-          </a:p>
-        </p:txBody>
-      </p:sp>
+          <a:lnRef idx="1">
+            <a:schemeClr val="accent1"/>
+          </a:lnRef>
+          <a:fillRef idx="0">
+            <a:schemeClr val="accent1"/>
+          </a:fillRef>
+          <a:effectRef idx="0">
+            <a:schemeClr val="accent1"/>
+          </a:effectRef>
+          <a:fontRef idx="minor">
+            <a:schemeClr val="tx1"/>
+          </a:fontRef>
+        </p:style>
+      </p:cxnSp>
     </p:spTree>
     <p:extLst>
       <p:ext uri="{BB962C8B-B14F-4D97-AF65-F5344CB8AC3E}">
@@ -8108,17 +8597,7 @@
                   </a:schemeClr>
                 </a:solidFill>
               </a:rPr>
-              <a:t>Of organisatie </a:t>
-            </a:r>
-            <a:r>
-              <a:rPr lang="nl-NL" sz="1400" dirty="0" smtClean="0">
-                <a:solidFill>
-                  <a:schemeClr val="bg1">
-                    <a:lumMod val="75000"/>
-                  </a:schemeClr>
-                </a:solidFill>
-              </a:rPr>
-              <a:t>specifiek ?</a:t>
+              <a:t>Of organisatie specifiek ?</a:t>
             </a:r>
             <a:endParaRPr lang="nl-NL" sz="1400" dirty="0">
               <a:solidFill>
@@ -8263,17 +8742,7 @@
                   </a:schemeClr>
                 </a:solidFill>
               </a:rPr>
-              <a:t>Beheer </a:t>
-            </a:r>
-            <a:r>
-              <a:rPr lang="nl-NL" sz="1400" dirty="0" smtClean="0">
-                <a:solidFill>
-                  <a:schemeClr val="bg1">
-                    <a:lumMod val="75000"/>
-                  </a:schemeClr>
-                </a:solidFill>
-              </a:rPr>
-              <a:t>CROW ?</a:t>
+              <a:t>Beheer CROW ?</a:t>
             </a:r>
             <a:endParaRPr lang="nl-NL" sz="1400" dirty="0">
               <a:solidFill>
@@ -9073,11 +9542,7 @@
           <a:p>
             <a:r>
               <a:rPr lang="nl-NL" dirty="0" smtClean="0"/>
-              <a:t>Modulaire opbouw van modellen en het beheer </a:t>
-            </a:r>
-            <a:r>
-              <a:rPr lang="nl-NL" dirty="0" smtClean="0"/>
-              <a:t>daarvan</a:t>
+              <a:t>Modulaire opbouw van modellen en het beheer daarvan</a:t>
             </a:r>
             <a:endParaRPr lang="nl-NL" dirty="0"/>
           </a:p>
